--- a/flutter pitch deck.pptx
+++ b/flutter pitch deck.pptx
@@ -309,7 +309,7 @@
           <a:p>
             <a:fld id="{9E5637FB-0DD5-4D5D-801C-E86BE6288A76}" type="datetimeFigureOut">
               <a:rPr lang="en-US" smtClean="0"/>
-              <a:t>9/18/2024</a:t>
+              <a:t>9/19/2024</a:t>
             </a:fld>
             <a:endParaRPr lang="en-US"/>
           </a:p>
@@ -647,7 +647,7 @@
           <a:p>
             <a:fld id="{9E5637FB-0DD5-4D5D-801C-E86BE6288A76}" type="datetimeFigureOut">
               <a:rPr lang="en-US" smtClean="0"/>
-              <a:t>9/18/2024</a:t>
+              <a:t>9/19/2024</a:t>
             </a:fld>
             <a:endParaRPr lang="en-US"/>
           </a:p>
@@ -1048,7 +1048,7 @@
           <a:p>
             <a:fld id="{9E5637FB-0DD5-4D5D-801C-E86BE6288A76}" type="datetimeFigureOut">
               <a:rPr lang="en-US" smtClean="0"/>
-              <a:t>9/18/2024</a:t>
+              <a:t>9/19/2024</a:t>
             </a:fld>
             <a:endParaRPr lang="en-US"/>
           </a:p>
@@ -1384,7 +1384,7 @@
           <a:p>
             <a:fld id="{9E5637FB-0DD5-4D5D-801C-E86BE6288A76}" type="datetimeFigureOut">
               <a:rPr lang="en-US" smtClean="0"/>
-              <a:t>9/18/2024</a:t>
+              <a:t>9/19/2024</a:t>
             </a:fld>
             <a:endParaRPr lang="en-US"/>
           </a:p>
@@ -1704,7 +1704,7 @@
           <a:p>
             <a:fld id="{9E5637FB-0DD5-4D5D-801C-E86BE6288A76}" type="datetimeFigureOut">
               <a:rPr lang="en-US" smtClean="0"/>
-              <a:t>9/18/2024</a:t>
+              <a:t>9/19/2024</a:t>
             </a:fld>
             <a:endParaRPr lang="en-US"/>
           </a:p>
@@ -2100,7 +2100,7 @@
           <a:p>
             <a:fld id="{9E5637FB-0DD5-4D5D-801C-E86BE6288A76}" type="datetimeFigureOut">
               <a:rPr lang="en-US" smtClean="0"/>
-              <a:t>9/18/2024</a:t>
+              <a:t>9/19/2024</a:t>
             </a:fld>
             <a:endParaRPr lang="en-US"/>
           </a:p>
@@ -2357,7 +2357,7 @@
           <a:p>
             <a:fld id="{9E5637FB-0DD5-4D5D-801C-E86BE6288A76}" type="datetimeFigureOut">
               <a:rPr lang="en-US" smtClean="0"/>
-              <a:t>9/18/2024</a:t>
+              <a:t>9/19/2024</a:t>
             </a:fld>
             <a:endParaRPr lang="en-US"/>
           </a:p>
@@ -2619,7 +2619,7 @@
           <a:p>
             <a:fld id="{9E5637FB-0DD5-4D5D-801C-E86BE6288A76}" type="datetimeFigureOut">
               <a:rPr lang="en-US" smtClean="0"/>
-              <a:t>9/18/2024</a:t>
+              <a:t>9/19/2024</a:t>
             </a:fld>
             <a:endParaRPr lang="en-US"/>
           </a:p>
@@ -2881,7 +2881,7 @@
           <a:p>
             <a:fld id="{9E5637FB-0DD5-4D5D-801C-E86BE6288A76}" type="datetimeFigureOut">
               <a:rPr lang="en-US" smtClean="0"/>
-              <a:t>9/18/2024</a:t>
+              <a:t>9/19/2024</a:t>
             </a:fld>
             <a:endParaRPr lang="en-US"/>
           </a:p>
@@ -3210,7 +3210,7 @@
           <a:p>
             <a:fld id="{9E5637FB-0DD5-4D5D-801C-E86BE6288A76}" type="datetimeFigureOut">
               <a:rPr lang="en-US" smtClean="0"/>
-              <a:t>9/18/2024</a:t>
+              <a:t>9/19/2024</a:t>
             </a:fld>
             <a:endParaRPr lang="en-US"/>
           </a:p>
@@ -3533,7 +3533,7 @@
           <a:p>
             <a:fld id="{9E5637FB-0DD5-4D5D-801C-E86BE6288A76}" type="datetimeFigureOut">
               <a:rPr lang="en-US" smtClean="0"/>
-              <a:t>9/18/2024</a:t>
+              <a:t>9/19/2024</a:t>
             </a:fld>
             <a:endParaRPr lang="en-US"/>
           </a:p>
@@ -3990,7 +3990,7 @@
           <a:p>
             <a:fld id="{9E5637FB-0DD5-4D5D-801C-E86BE6288A76}" type="datetimeFigureOut">
               <a:rPr lang="en-US" smtClean="0"/>
-              <a:t>9/18/2024</a:t>
+              <a:t>9/19/2024</a:t>
             </a:fld>
             <a:endParaRPr lang="en-US"/>
           </a:p>
@@ -4195,7 +4195,7 @@
           <a:p>
             <a:fld id="{9E5637FB-0DD5-4D5D-801C-E86BE6288A76}" type="datetimeFigureOut">
               <a:rPr lang="en-US" smtClean="0"/>
-              <a:t>9/18/2024</a:t>
+              <a:t>9/19/2024</a:t>
             </a:fld>
             <a:endParaRPr lang="en-US"/>
           </a:p>
@@ -4372,7 +4372,7 @@
           <a:p>
             <a:fld id="{9E5637FB-0DD5-4D5D-801C-E86BE6288A76}" type="datetimeFigureOut">
               <a:rPr lang="en-US" smtClean="0"/>
-              <a:t>9/18/2024</a:t>
+              <a:t>9/19/2024</a:t>
             </a:fld>
             <a:endParaRPr lang="en-US"/>
           </a:p>
@@ -4705,7 +4705,7 @@
           <a:p>
             <a:fld id="{9E5637FB-0DD5-4D5D-801C-E86BE6288A76}" type="datetimeFigureOut">
               <a:rPr lang="en-US" smtClean="0"/>
-              <a:t>9/18/2024</a:t>
+              <a:t>9/19/2024</a:t>
             </a:fld>
             <a:endParaRPr lang="en-US"/>
           </a:p>
@@ -5050,7 +5050,7 @@
           <a:p>
             <a:fld id="{9E5637FB-0DD5-4D5D-801C-E86BE6288A76}" type="datetimeFigureOut">
               <a:rPr lang="en-US" smtClean="0"/>
-              <a:t>9/18/2024</a:t>
+              <a:t>9/19/2024</a:t>
             </a:fld>
             <a:endParaRPr lang="en-US"/>
           </a:p>
@@ -7167,7 +7167,7 @@
           <a:p>
             <a:fld id="{9E5637FB-0DD5-4D5D-801C-E86BE6288A76}" type="datetimeFigureOut">
               <a:rPr lang="en-US" smtClean="0"/>
-              <a:t>9/18/2024</a:t>
+              <a:t>9/19/2024</a:t>
             </a:fld>
             <a:endParaRPr lang="en-US"/>
           </a:p>
@@ -9837,10 +9837,10 @@
       </p:sp>
       <p:pic>
         <p:nvPicPr>
-          <p:cNvPr id="13" name="Picture 12">
+          <p:cNvPr id="4" name="Picture 3">
             <a:extLst>
               <a:ext uri="{FF2B5EF4-FFF2-40B4-BE49-F238E27FC236}">
-                <a16:creationId xmlns:a16="http://schemas.microsoft.com/office/drawing/2014/main" id="{4434947C-8433-2A48-CB60-C07BCBD3B60B}"/>
+                <a16:creationId xmlns:a16="http://schemas.microsoft.com/office/drawing/2014/main" id="{BEA7796D-CAA8-9831-A200-0A61B00CA35E}"/>
               </a:ext>
             </a:extLst>
           </p:cNvPr>
@@ -9857,8 +9857,8 @@
         </p:blipFill>
         <p:spPr>
           <a:xfrm>
-            <a:off x="3432748" y="1424044"/>
-            <a:ext cx="2968052" cy="2503380"/>
+            <a:off x="3432748" y="1242500"/>
+            <a:ext cx="3109912" cy="2186500"/>
           </a:xfrm>
           <a:prstGeom prst="rect">
             <a:avLst/>
@@ -9867,10 +9867,10 @@
       </p:pic>
       <p:pic>
         <p:nvPicPr>
-          <p:cNvPr id="15" name="Picture 14">
+          <p:cNvPr id="8" name="Picture 7">
             <a:extLst>
               <a:ext uri="{FF2B5EF4-FFF2-40B4-BE49-F238E27FC236}">
-                <a16:creationId xmlns:a16="http://schemas.microsoft.com/office/drawing/2014/main" id="{70EB656F-A00F-CD81-FCFC-5BB0C0E40CCA}"/>
+                <a16:creationId xmlns:a16="http://schemas.microsoft.com/office/drawing/2014/main" id="{96A06E1D-9129-7AF0-F474-92B5324235AF}"/>
               </a:ext>
             </a:extLst>
           </p:cNvPr>
@@ -9887,8 +9887,8 @@
         </p:blipFill>
         <p:spPr>
           <a:xfrm>
-            <a:off x="6400800" y="1431296"/>
-            <a:ext cx="2975996" cy="2496128"/>
+            <a:off x="6542660" y="1242500"/>
+            <a:ext cx="3109913" cy="2186500"/>
           </a:xfrm>
           <a:prstGeom prst="rect">
             <a:avLst/>
@@ -9897,10 +9897,10 @@
       </p:pic>
       <p:pic>
         <p:nvPicPr>
-          <p:cNvPr id="17" name="Picture 16">
+          <p:cNvPr id="11" name="Picture 10">
             <a:extLst>
               <a:ext uri="{FF2B5EF4-FFF2-40B4-BE49-F238E27FC236}">
-                <a16:creationId xmlns:a16="http://schemas.microsoft.com/office/drawing/2014/main" id="{A185E50A-C85B-1D00-FC14-F5181AD9D7CE}"/>
+                <a16:creationId xmlns:a16="http://schemas.microsoft.com/office/drawing/2014/main" id="{52CD4F66-A288-FD9A-5B4A-BCEF859CE17D}"/>
               </a:ext>
             </a:extLst>
           </p:cNvPr>
@@ -9917,8 +9917,8 @@
         </p:blipFill>
         <p:spPr>
           <a:xfrm>
-            <a:off x="4533979" y="3927425"/>
-            <a:ext cx="4225275" cy="2144044"/>
+            <a:off x="3432748" y="3429000"/>
+            <a:ext cx="6219826" cy="2528178"/>
           </a:xfrm>
           <a:prstGeom prst="rect">
             <a:avLst/>

--- a/flutter pitch deck.pptx
+++ b/flutter pitch deck.pptx
@@ -309,7 +309,7 @@
           <a:p>
             <a:fld id="{9E5637FB-0DD5-4D5D-801C-E86BE6288A76}" type="datetimeFigureOut">
               <a:rPr lang="en-US" smtClean="0"/>
-              <a:t>9/19/2024</a:t>
+              <a:t>9/22/2024</a:t>
             </a:fld>
             <a:endParaRPr lang="en-US"/>
           </a:p>
@@ -647,7 +647,7 @@
           <a:p>
             <a:fld id="{9E5637FB-0DD5-4D5D-801C-E86BE6288A76}" type="datetimeFigureOut">
               <a:rPr lang="en-US" smtClean="0"/>
-              <a:t>9/19/2024</a:t>
+              <a:t>9/22/2024</a:t>
             </a:fld>
             <a:endParaRPr lang="en-US"/>
           </a:p>
@@ -1048,7 +1048,7 @@
           <a:p>
             <a:fld id="{9E5637FB-0DD5-4D5D-801C-E86BE6288A76}" type="datetimeFigureOut">
               <a:rPr lang="en-US" smtClean="0"/>
-              <a:t>9/19/2024</a:t>
+              <a:t>9/22/2024</a:t>
             </a:fld>
             <a:endParaRPr lang="en-US"/>
           </a:p>
@@ -1384,7 +1384,7 @@
           <a:p>
             <a:fld id="{9E5637FB-0DD5-4D5D-801C-E86BE6288A76}" type="datetimeFigureOut">
               <a:rPr lang="en-US" smtClean="0"/>
-              <a:t>9/19/2024</a:t>
+              <a:t>9/22/2024</a:t>
             </a:fld>
             <a:endParaRPr lang="en-US"/>
           </a:p>
@@ -1704,7 +1704,7 @@
           <a:p>
             <a:fld id="{9E5637FB-0DD5-4D5D-801C-E86BE6288A76}" type="datetimeFigureOut">
               <a:rPr lang="en-US" smtClean="0"/>
-              <a:t>9/19/2024</a:t>
+              <a:t>9/22/2024</a:t>
             </a:fld>
             <a:endParaRPr lang="en-US"/>
           </a:p>
@@ -2100,7 +2100,7 @@
           <a:p>
             <a:fld id="{9E5637FB-0DD5-4D5D-801C-E86BE6288A76}" type="datetimeFigureOut">
               <a:rPr lang="en-US" smtClean="0"/>
-              <a:t>9/19/2024</a:t>
+              <a:t>9/22/2024</a:t>
             </a:fld>
             <a:endParaRPr lang="en-US"/>
           </a:p>
@@ -2357,7 +2357,7 @@
           <a:p>
             <a:fld id="{9E5637FB-0DD5-4D5D-801C-E86BE6288A76}" type="datetimeFigureOut">
               <a:rPr lang="en-US" smtClean="0"/>
-              <a:t>9/19/2024</a:t>
+              <a:t>9/22/2024</a:t>
             </a:fld>
             <a:endParaRPr lang="en-US"/>
           </a:p>
@@ -2619,7 +2619,7 @@
           <a:p>
             <a:fld id="{9E5637FB-0DD5-4D5D-801C-E86BE6288A76}" type="datetimeFigureOut">
               <a:rPr lang="en-US" smtClean="0"/>
-              <a:t>9/19/2024</a:t>
+              <a:t>9/22/2024</a:t>
             </a:fld>
             <a:endParaRPr lang="en-US"/>
           </a:p>
@@ -2881,7 +2881,7 @@
           <a:p>
             <a:fld id="{9E5637FB-0DD5-4D5D-801C-E86BE6288A76}" type="datetimeFigureOut">
               <a:rPr lang="en-US" smtClean="0"/>
-              <a:t>9/19/2024</a:t>
+              <a:t>9/22/2024</a:t>
             </a:fld>
             <a:endParaRPr lang="en-US"/>
           </a:p>
@@ -3210,7 +3210,7 @@
           <a:p>
             <a:fld id="{9E5637FB-0DD5-4D5D-801C-E86BE6288A76}" type="datetimeFigureOut">
               <a:rPr lang="en-US" smtClean="0"/>
-              <a:t>9/19/2024</a:t>
+              <a:t>9/22/2024</a:t>
             </a:fld>
             <a:endParaRPr lang="en-US"/>
           </a:p>
@@ -3533,7 +3533,7 @@
           <a:p>
             <a:fld id="{9E5637FB-0DD5-4D5D-801C-E86BE6288A76}" type="datetimeFigureOut">
               <a:rPr lang="en-US" smtClean="0"/>
-              <a:t>9/19/2024</a:t>
+              <a:t>9/22/2024</a:t>
             </a:fld>
             <a:endParaRPr lang="en-US"/>
           </a:p>
@@ -3990,7 +3990,7 @@
           <a:p>
             <a:fld id="{9E5637FB-0DD5-4D5D-801C-E86BE6288A76}" type="datetimeFigureOut">
               <a:rPr lang="en-US" smtClean="0"/>
-              <a:t>9/19/2024</a:t>
+              <a:t>9/22/2024</a:t>
             </a:fld>
             <a:endParaRPr lang="en-US"/>
           </a:p>
@@ -4195,7 +4195,7 @@
           <a:p>
             <a:fld id="{9E5637FB-0DD5-4D5D-801C-E86BE6288A76}" type="datetimeFigureOut">
               <a:rPr lang="en-US" smtClean="0"/>
-              <a:t>9/19/2024</a:t>
+              <a:t>9/22/2024</a:t>
             </a:fld>
             <a:endParaRPr lang="en-US"/>
           </a:p>
@@ -4372,7 +4372,7 @@
           <a:p>
             <a:fld id="{9E5637FB-0DD5-4D5D-801C-E86BE6288A76}" type="datetimeFigureOut">
               <a:rPr lang="en-US" smtClean="0"/>
-              <a:t>9/19/2024</a:t>
+              <a:t>9/22/2024</a:t>
             </a:fld>
             <a:endParaRPr lang="en-US"/>
           </a:p>
@@ -4705,7 +4705,7 @@
           <a:p>
             <a:fld id="{9E5637FB-0DD5-4D5D-801C-E86BE6288A76}" type="datetimeFigureOut">
               <a:rPr lang="en-US" smtClean="0"/>
-              <a:t>9/19/2024</a:t>
+              <a:t>9/22/2024</a:t>
             </a:fld>
             <a:endParaRPr lang="en-US"/>
           </a:p>
@@ -5050,7 +5050,7 @@
           <a:p>
             <a:fld id="{9E5637FB-0DD5-4D5D-801C-E86BE6288A76}" type="datetimeFigureOut">
               <a:rPr lang="en-US" smtClean="0"/>
-              <a:t>9/19/2024</a:t>
+              <a:t>9/22/2024</a:t>
             </a:fld>
             <a:endParaRPr lang="en-US"/>
           </a:p>
@@ -7167,7 +7167,7 @@
           <a:p>
             <a:fld id="{9E5637FB-0DD5-4D5D-801C-E86BE6288A76}" type="datetimeFigureOut">
               <a:rPr lang="en-US" smtClean="0"/>
-              <a:t>9/19/2024</a:t>
+              <a:t>9/22/2024</a:t>
             </a:fld>
             <a:endParaRPr lang="en-US"/>
           </a:p>
@@ -9029,7 +9029,7 @@
         <p:spPr>
           <a:xfrm>
             <a:off x="1190625" y="1720840"/>
-            <a:ext cx="8255833" cy="3416320"/>
+            <a:ext cx="8255833" cy="2308324"/>
           </a:xfrm>
           <a:prstGeom prst="rect">
             <a:avLst/>
@@ -9050,7 +9050,7 @@
                 <a:latin typeface="Times New Roman" panose="02020603050405020304" pitchFamily="18" charset="0"/>
                 <a:cs typeface="Times New Roman" panose="02020603050405020304" pitchFamily="18" charset="0"/>
               </a:rPr>
-              <a:t>By utilizing Diet Tracker, users can simplify their meal tracking, adopt healthier eating habits, minimize food waste, and cultivate a mindset of sustainability, all while staying informed about their dietary choices.</a:t>
+              <a:t>By utilizing Diet Tracker, users can simplify their meal tracking, adopt healthier eating habits, minimize food waste, and cultivate a mindset of sustainability.</a:t>
             </a:r>
           </a:p>
         </p:txBody>

--- a/flutter pitch deck.pptx
+++ b/flutter pitch deck.pptx
@@ -8786,7 +8786,7 @@
         <p:spPr>
           <a:xfrm>
             <a:off x="1366603" y="1720840"/>
-            <a:ext cx="9458794" cy="3970318"/>
+            <a:ext cx="9458794" cy="3416320"/>
           </a:xfrm>
           <a:prstGeom prst="rect">
             <a:avLst/>
@@ -8807,7 +8807,7 @@
                 <a:latin typeface="Times New Roman" panose="02020603050405020304" pitchFamily="18" charset="0"/>
                 <a:cs typeface="Times New Roman" panose="02020603050405020304" pitchFamily="18" charset="0"/>
               </a:rPr>
-              <a:t>Diet Tracker offers a user-friendly platform where individuals can log their meals, track nutrient intake, and receive reminders about dietary limitations. Additionally, it provides sustainability tips to promote environmentally conscious eating habits. User-friendly interface built with flutter for both iOS and Android platforms.</a:t>
+              <a:t>Diet Tracker offers a user-friendly platform where individuals can log their meals and track nutrient intake. Additionally, it provides sustainability tips to promote environmentally conscious eating habits. User-friendly interface built with flutter for both iOS and Android platforms.</a:t>
             </a:r>
           </a:p>
         </p:txBody>
@@ -9285,7 +9285,27 @@
                 <a:latin typeface="Times New Roman" panose="02020603050405020304" pitchFamily="18" charset="0"/>
                 <a:cs typeface="Times New Roman" panose="02020603050405020304" pitchFamily="18" charset="0"/>
               </a:rPr>
-              <a:t>Our application boasts several key features such as secure registration, meal logging, expiration alerts, sustainability tips.</a:t>
+              <a:t>Our application boasts several key features such as secure registration, </a:t>
+            </a:r>
+            <a:r>
+              <a:rPr lang="en-US" sz="3600">
+                <a:solidFill>
+                  <a:srgbClr val="00B050"/>
+                </a:solidFill>
+                <a:latin typeface="Times New Roman" panose="02020603050405020304" pitchFamily="18" charset="0"/>
+                <a:cs typeface="Times New Roman" panose="02020603050405020304" pitchFamily="18" charset="0"/>
+              </a:rPr>
+              <a:t>meal logging and </a:t>
+            </a:r>
+            <a:r>
+              <a:rPr lang="en-US" sz="3600" dirty="0">
+                <a:solidFill>
+                  <a:srgbClr val="00B050"/>
+                </a:solidFill>
+                <a:latin typeface="Times New Roman" panose="02020603050405020304" pitchFamily="18" charset="0"/>
+                <a:cs typeface="Times New Roman" panose="02020603050405020304" pitchFamily="18" charset="0"/>
+              </a:rPr>
+              <a:t>sustainability tips.</a:t>
             </a:r>
           </a:p>
         </p:txBody>
@@ -9717,8 +9737,8 @@
         </p:nvSpPr>
         <p:spPr bwMode="auto">
           <a:xfrm>
-            <a:off x="674559" y="900823"/>
-            <a:ext cx="2758189" cy="5170646"/>
+            <a:off x="674559" y="1824153"/>
+            <a:ext cx="2758189" cy="3323987"/>
           </a:xfrm>
           <a:prstGeom prst="rect">
             <a:avLst/>
@@ -9788,22 +9808,19 @@
                 <a:latin typeface="Times New Roman" panose="02020603050405020304" pitchFamily="18" charset="0"/>
                 <a:cs typeface="Times New Roman" panose="02020603050405020304" pitchFamily="18" charset="0"/>
               </a:rPr>
-              <a:t>Let’s take a look at the application in action. Here are some screenshots showing user registration, meal logging, and the alert system that informs users about their dietary choices.</a:t>
-            </a:r>
-            <a:r>
-              <a:rPr kumimoji="0" lang="en-US" altLang="en-US" sz="2400" b="0" i="0" u="none" strike="noStrike" cap="none" normalizeH="0" baseline="0" dirty="0">
-                <a:ln>
-                  <a:noFill/>
-                </a:ln>
-                <a:solidFill>
-                  <a:srgbClr val="00B050"/>
-                </a:solidFill>
-                <a:effectLst/>
-                <a:latin typeface="Times New Roman" panose="02020603050405020304" pitchFamily="18" charset="0"/>
-                <a:cs typeface="Times New Roman" panose="02020603050405020304" pitchFamily="18" charset="0"/>
-              </a:rPr>
-              <a:t> </a:t>
-            </a:r>
+              <a:t>Let’s take a look at the application in action. Here are some screenshots showing user registration and meal logging.</a:t>
+            </a:r>
+            <a:endParaRPr kumimoji="0" lang="en-US" altLang="en-US" sz="2400" b="0" i="0" u="none" strike="noStrike" cap="none" normalizeH="0" baseline="0" dirty="0">
+              <a:ln>
+                <a:noFill/>
+              </a:ln>
+              <a:solidFill>
+                <a:srgbClr val="00B050"/>
+              </a:solidFill>
+              <a:effectLst/>
+              <a:latin typeface="Times New Roman" panose="02020603050405020304" pitchFamily="18" charset="0"/>
+              <a:cs typeface="Times New Roman" panose="02020603050405020304" pitchFamily="18" charset="0"/>
+            </a:endParaRPr>
           </a:p>
           <a:p>
             <a:pPr marL="0" marR="0" lvl="0" indent="0" algn="l" defTabSz="914400" rtl="0" eaLnBrk="0" fontAlgn="base" latinLnBrk="0" hangingPunct="0">
